--- a/IoV_policy/国家车联网产业标准体系进展情况_时间轴.pptx
+++ b/IoV_policy/国家车联网产业标准体系进展情况_时间轴.pptx
@@ -2929,7 +2929,7 @@
         </p:nvSpPr>
         <p:spPr bwMode="auto">
           <a:xfrm>
-            <a:off x="209550" y="2040890"/>
+            <a:off x="209550" y="1837690"/>
             <a:ext cx="8390890" cy="4062730"/>
           </a:xfrm>
           <a:custGeom>
@@ -3160,7 +3160,7 @@
         </p:nvSpPr>
         <p:spPr>
           <a:xfrm>
-            <a:off x="4356100" y="6090920"/>
+            <a:off x="4356100" y="5887720"/>
             <a:ext cx="2427605" cy="709930"/>
           </a:xfrm>
           <a:prstGeom prst="rect">
@@ -3220,7 +3220,7 @@
         </p:nvGrpSpPr>
         <p:grpSpPr>
           <a:xfrm>
-            <a:off x="5660390" y="4913630"/>
+            <a:off x="5660390" y="4710430"/>
             <a:ext cx="794680" cy="1178560"/>
             <a:chOff x="10786" y="7050"/>
             <a:chExt cx="1355" cy="2124"/>
@@ -3448,7 +3448,7 @@
         </p:nvGrpSpPr>
         <p:grpSpPr>
           <a:xfrm>
-            <a:off x="4576445" y="4785995"/>
+            <a:off x="4576445" y="4582795"/>
             <a:ext cx="862712" cy="1178560"/>
             <a:chOff x="7702" y="6853"/>
             <a:chExt cx="1471" cy="2124"/>
@@ -3674,7 +3674,7 @@
         </p:nvSpPr>
         <p:spPr>
           <a:xfrm>
-            <a:off x="2378075" y="5736590"/>
+            <a:off x="2378075" y="5533390"/>
             <a:ext cx="2187575" cy="702945"/>
           </a:xfrm>
           <a:prstGeom prst="rect">
@@ -3734,7 +3734,7 @@
         </p:nvGrpSpPr>
         <p:grpSpPr>
           <a:xfrm>
-            <a:off x="3627120" y="4393565"/>
+            <a:off x="3627120" y="4190365"/>
             <a:ext cx="848637" cy="1178560"/>
             <a:chOff x="7702" y="6853"/>
             <a:chExt cx="1447" cy="2124"/>
@@ -3966,7 +3966,7 @@
         </p:nvSpPr>
         <p:spPr>
           <a:xfrm>
-            <a:off x="1342390" y="4961890"/>
+            <a:off x="1342390" y="4758690"/>
             <a:ext cx="2276475" cy="721995"/>
           </a:xfrm>
           <a:prstGeom prst="rect">
@@ -4026,7 +4026,7 @@
         </p:nvGrpSpPr>
         <p:grpSpPr>
           <a:xfrm>
-            <a:off x="4819650" y="2313305"/>
+            <a:off x="4819650" y="2110105"/>
             <a:ext cx="848703" cy="1178560"/>
             <a:chOff x="7702" y="6853"/>
             <a:chExt cx="1448" cy="2124"/>
@@ -4258,7 +4258,7 @@
         </p:nvSpPr>
         <p:spPr>
           <a:xfrm>
-            <a:off x="5516880" y="2379980"/>
+            <a:off x="5516880" y="2176780"/>
             <a:ext cx="2123440" cy="644525"/>
           </a:xfrm>
           <a:prstGeom prst="rect">
@@ -4320,7 +4320,7 @@
         </p:nvGrpSpPr>
         <p:grpSpPr>
           <a:xfrm>
-            <a:off x="2519767" y="1678305"/>
+            <a:off x="2519767" y="1475105"/>
             <a:ext cx="857250" cy="989330"/>
             <a:chOff x="7658" y="6853"/>
             <a:chExt cx="1743" cy="2124"/>
@@ -4546,7 +4546,7 @@
         </p:nvSpPr>
         <p:spPr>
           <a:xfrm>
-            <a:off x="3110865" y="1522730"/>
+            <a:off x="3110865" y="1319530"/>
             <a:ext cx="3275330" cy="702945"/>
           </a:xfrm>
           <a:prstGeom prst="rect">
@@ -4608,7 +4608,7 @@
         </p:nvGrpSpPr>
         <p:grpSpPr>
           <a:xfrm>
-            <a:off x="1195705" y="1598295"/>
+            <a:off x="1195705" y="1395095"/>
             <a:ext cx="685800" cy="910590"/>
             <a:chOff x="7702" y="6853"/>
             <a:chExt cx="1515" cy="2124"/>
@@ -4840,7 +4840,7 @@
         </p:nvSpPr>
         <p:spPr>
           <a:xfrm>
-            <a:off x="196850" y="2487295"/>
+            <a:off x="196850" y="2284095"/>
             <a:ext cx="2149475" cy="715010"/>
           </a:xfrm>
           <a:prstGeom prst="rect">
@@ -4912,7 +4912,7 @@
         </p:nvGrpSpPr>
         <p:grpSpPr>
           <a:xfrm>
-            <a:off x="3620135" y="3107690"/>
+            <a:off x="3620135" y="2904490"/>
             <a:ext cx="848637" cy="1178560"/>
             <a:chOff x="7702" y="6853"/>
             <a:chExt cx="1447" cy="2124"/>
@@ -5144,7 +5144,7 @@
         </p:nvSpPr>
         <p:spPr>
           <a:xfrm>
-            <a:off x="1134745" y="3263900"/>
+            <a:off x="1134745" y="3060700"/>
             <a:ext cx="2556510" cy="721995"/>
           </a:xfrm>
           <a:prstGeom prst="rect">
@@ -5244,7 +5244,7 @@
         </p:nvGrpSpPr>
         <p:grpSpPr>
           <a:xfrm>
-            <a:off x="6777355" y="5006340"/>
+            <a:off x="6777355" y="4803140"/>
             <a:ext cx="843944" cy="1178560"/>
             <a:chOff x="10786" y="7050"/>
             <a:chExt cx="1439" cy="2124"/>
@@ -5470,7 +5470,7 @@
         </p:nvSpPr>
         <p:spPr>
           <a:xfrm>
-            <a:off x="6269355" y="4043045"/>
+            <a:off x="6269355" y="3839845"/>
             <a:ext cx="2618105" cy="1094740"/>
           </a:xfrm>
           <a:prstGeom prst="rect">
